--- a/설계참고자료V3_sh.pptx
+++ b/설계참고자료V3_sh.pptx
@@ -5,7 +5,7 @@
     <p:sldMasterId id="2147483660" r:id="rId1"/>
   </p:sldMasterIdLst>
   <p:notesMasterIdLst>
-    <p:notesMasterId r:id="rId14"/>
+    <p:notesMasterId r:id="rId15"/>
   </p:notesMasterIdLst>
   <p:sldIdLst>
     <p:sldId id="262" r:id="rId2"/>
@@ -18,8 +18,9 @@
     <p:sldId id="327" r:id="rId9"/>
     <p:sldId id="321" r:id="rId10"/>
     <p:sldId id="322" r:id="rId11"/>
-    <p:sldId id="329" r:id="rId12"/>
-    <p:sldId id="330" r:id="rId13"/>
+    <p:sldId id="331" r:id="rId12"/>
+    <p:sldId id="329" r:id="rId13"/>
+    <p:sldId id="330" r:id="rId14"/>
   </p:sldIdLst>
   <p:sldSz cx="9144000" cy="5715000" type="screen16x10"/>
   <p:notesSz cx="6881813" cy="9661525"/>
@@ -246,7 +247,7 @@
             <a:fld id="{29A4CCEE-A5BC-4B50-8AEB-B0D523E630C0}" type="datetimeFigureOut">
               <a:rPr lang="ko-KR" altLang="en-US" smtClean="0"/>
               <a:pPr/>
-              <a:t>2016-04-01</a:t>
+              <a:t>2016-04-03</a:t>
             </a:fld>
             <a:endParaRPr lang="ko-KR" altLang="en-US" dirty="0"/>
           </a:p>
@@ -547,7 +548,12 @@
             <p:ph type="sldImg"/>
           </p:nvPr>
         </p:nvSpPr>
-        <p:spPr/>
+        <p:spPr>
+          <a:xfrm>
+            <a:off x="831850" y="1208088"/>
+            <a:ext cx="5218113" cy="3260725"/>
+          </a:xfrm>
+        </p:spPr>
       </p:sp>
       <p:sp>
         <p:nvSpPr>
@@ -834,7 +840,12 @@
             <p:ph type="sldImg"/>
           </p:nvPr>
         </p:nvSpPr>
-        <p:spPr/>
+        <p:spPr>
+          <a:xfrm>
+            <a:off x="831850" y="1208088"/>
+            <a:ext cx="5218113" cy="3260725"/>
+          </a:xfrm>
+        </p:spPr>
       </p:sp>
       <p:sp>
         <p:nvSpPr>
@@ -940,7 +951,12 @@
             <p:ph type="sldImg"/>
           </p:nvPr>
         </p:nvSpPr>
-        <p:spPr/>
+        <p:spPr>
+          <a:xfrm>
+            <a:off x="831850" y="1208088"/>
+            <a:ext cx="5218113" cy="3260725"/>
+          </a:xfrm>
+        </p:spPr>
       </p:sp>
       <p:sp>
         <p:nvSpPr>
@@ -1056,7 +1072,12 @@
             <p:ph type="sldImg"/>
           </p:nvPr>
         </p:nvSpPr>
-        <p:spPr/>
+        <p:spPr>
+          <a:xfrm>
+            <a:off x="831850" y="1208088"/>
+            <a:ext cx="5218113" cy="3260725"/>
+          </a:xfrm>
+        </p:spPr>
       </p:sp>
       <p:sp>
         <p:nvSpPr>
@@ -1176,7 +1197,12 @@
             <p:ph type="sldImg"/>
           </p:nvPr>
         </p:nvSpPr>
-        <p:spPr/>
+        <p:spPr>
+          <a:xfrm>
+            <a:off x="831850" y="1208088"/>
+            <a:ext cx="5218113" cy="3260725"/>
+          </a:xfrm>
+        </p:spPr>
       </p:sp>
       <p:sp>
         <p:nvSpPr>
@@ -1324,7 +1350,12 @@
             <p:ph type="sldImg"/>
           </p:nvPr>
         </p:nvSpPr>
-        <p:spPr/>
+        <p:spPr>
+          <a:xfrm>
+            <a:off x="831850" y="1208088"/>
+            <a:ext cx="5218113" cy="3260725"/>
+          </a:xfrm>
+        </p:spPr>
       </p:sp>
       <p:sp>
         <p:nvSpPr>
@@ -1416,7 +1447,12 @@
             <p:ph type="sldImg"/>
           </p:nvPr>
         </p:nvSpPr>
-        <p:spPr/>
+        <p:spPr>
+          <a:xfrm>
+            <a:off x="831850" y="1208088"/>
+            <a:ext cx="5218113" cy="3260725"/>
+          </a:xfrm>
+        </p:spPr>
       </p:sp>
       <p:sp>
         <p:nvSpPr>
@@ -1833,7 +1869,7 @@
         </p:nvSpPr>
         <p:spPr>
           <a:xfrm>
-            <a:off x="1143000" y="935302"/>
+            <a:off x="1143000" y="935304"/>
             <a:ext cx="6858000" cy="1989667"/>
           </a:xfrm>
         </p:spPr>
@@ -1935,7 +1971,7 @@
           <a:p>
             <a:fld id="{C371A25B-1A51-40C1-A870-A49E466EAC33}" type="datetimeFigureOut">
               <a:rPr lang="ko-KR" altLang="en-US" smtClean="0"/>
-              <a:t>2016-04-01</a:t>
+              <a:t>2016-04-03</a:t>
             </a:fld>
             <a:endParaRPr lang="ko-KR" altLang="en-US"/>
           </a:p>
@@ -2105,7 +2141,7 @@
           <a:p>
             <a:fld id="{C371A25B-1A51-40C1-A870-A49E466EAC33}" type="datetimeFigureOut">
               <a:rPr lang="ko-KR" altLang="en-US" smtClean="0"/>
-              <a:t>2016-04-01</a:t>
+              <a:t>2016-04-03</a:t>
             </a:fld>
             <a:endParaRPr lang="ko-KR" altLang="en-US"/>
           </a:p>
@@ -2195,7 +2231,7 @@
         </p:nvSpPr>
         <p:spPr>
           <a:xfrm>
-            <a:off x="6543675" y="304271"/>
+            <a:off x="6543676" y="304271"/>
             <a:ext cx="1971675" cy="4843198"/>
           </a:xfrm>
         </p:spPr>
@@ -2223,7 +2259,7 @@
         </p:nvSpPr>
         <p:spPr>
           <a:xfrm>
-            <a:off x="628650" y="304271"/>
+            <a:off x="628651" y="304271"/>
             <a:ext cx="5800725" cy="4843198"/>
           </a:xfrm>
         </p:spPr>
@@ -2285,7 +2321,7 @@
           <a:p>
             <a:fld id="{C371A25B-1A51-40C1-A870-A49E466EAC33}" type="datetimeFigureOut">
               <a:rPr lang="ko-KR" altLang="en-US" smtClean="0"/>
-              <a:t>2016-04-01</a:t>
+              <a:t>2016-04-03</a:t>
             </a:fld>
             <a:endParaRPr lang="ko-KR" altLang="en-US"/>
           </a:p>
@@ -2455,7 +2491,7 @@
           <a:p>
             <a:fld id="{C371A25B-1A51-40C1-A870-A49E466EAC33}" type="datetimeFigureOut">
               <a:rPr lang="ko-KR" altLang="en-US" smtClean="0"/>
-              <a:t>2016-04-01</a:t>
+              <a:t>2016-04-03</a:t>
             </a:fld>
             <a:endParaRPr lang="ko-KR" altLang="en-US"/>
           </a:p>
@@ -2545,7 +2581,7 @@
         </p:nvSpPr>
         <p:spPr>
           <a:xfrm>
-            <a:off x="623888" y="1424782"/>
+            <a:off x="623888" y="1424784"/>
             <a:ext cx="7886700" cy="2377281"/>
           </a:xfrm>
         </p:spPr>
@@ -2701,7 +2737,7 @@
           <a:p>
             <a:fld id="{C371A25B-1A51-40C1-A870-A49E466EAC33}" type="datetimeFigureOut">
               <a:rPr lang="ko-KR" altLang="en-US" smtClean="0"/>
-              <a:t>2016-04-01</a:t>
+              <a:t>2016-04-03</a:t>
             </a:fld>
             <a:endParaRPr lang="ko-KR" altLang="en-US"/>
           </a:p>
@@ -2814,7 +2850,7 @@
         </p:nvSpPr>
         <p:spPr>
           <a:xfrm>
-            <a:off x="628650" y="1521354"/>
+            <a:off x="628650" y="1521356"/>
             <a:ext cx="3886200" cy="3626115"/>
           </a:xfrm>
         </p:spPr>
@@ -2871,7 +2907,7 @@
         </p:nvSpPr>
         <p:spPr>
           <a:xfrm>
-            <a:off x="4629150" y="1521354"/>
+            <a:off x="4629150" y="1521356"/>
             <a:ext cx="3886200" cy="3626115"/>
           </a:xfrm>
         </p:spPr>
@@ -2933,7 +2969,7 @@
           <a:p>
             <a:fld id="{C371A25B-1A51-40C1-A870-A49E466EAC33}" type="datetimeFigureOut">
               <a:rPr lang="ko-KR" altLang="en-US" smtClean="0"/>
-              <a:t>2016-04-01</a:t>
+              <a:t>2016-04-03</a:t>
             </a:fld>
             <a:endParaRPr lang="ko-KR" altLang="en-US"/>
           </a:p>
@@ -3051,7 +3087,7 @@
         </p:nvSpPr>
         <p:spPr>
           <a:xfrm>
-            <a:off x="629842" y="1400969"/>
+            <a:off x="629842" y="1400971"/>
             <a:ext cx="3868340" cy="686593"/>
           </a:xfrm>
         </p:spPr>
@@ -3173,7 +3209,7 @@
         </p:nvSpPr>
         <p:spPr>
           <a:xfrm>
-            <a:off x="4629150" y="1400969"/>
+            <a:off x="4629151" y="1400971"/>
             <a:ext cx="3887391" cy="686593"/>
           </a:xfrm>
         </p:spPr>
@@ -3238,7 +3274,7 @@
         </p:nvSpPr>
         <p:spPr>
           <a:xfrm>
-            <a:off x="4629150" y="2087563"/>
+            <a:off x="4629151" y="2087563"/>
             <a:ext cx="3887391" cy="3070490"/>
           </a:xfrm>
         </p:spPr>
@@ -3300,7 +3336,7 @@
           <a:p>
             <a:fld id="{C371A25B-1A51-40C1-A870-A49E466EAC33}" type="datetimeFigureOut">
               <a:rPr lang="ko-KR" altLang="en-US" smtClean="0"/>
-              <a:t>2016-04-01</a:t>
+              <a:t>2016-04-03</a:t>
             </a:fld>
             <a:endParaRPr lang="ko-KR" altLang="en-US"/>
           </a:p>
@@ -3418,7 +3454,7 @@
           <a:p>
             <a:fld id="{C371A25B-1A51-40C1-A870-A49E466EAC33}" type="datetimeFigureOut">
               <a:rPr lang="ko-KR" altLang="en-US" smtClean="0"/>
-              <a:t>2016-04-01</a:t>
+              <a:t>2016-04-03</a:t>
             </a:fld>
             <a:endParaRPr lang="ko-KR" altLang="en-US"/>
           </a:p>
@@ -3513,7 +3549,7 @@
           <a:p>
             <a:fld id="{C371A25B-1A51-40C1-A870-A49E466EAC33}" type="datetimeFigureOut">
               <a:rPr lang="ko-KR" altLang="en-US" smtClean="0"/>
-              <a:t>2016-04-01</a:t>
+              <a:t>2016-04-03</a:t>
             </a:fld>
             <a:endParaRPr lang="ko-KR" altLang="en-US"/>
           </a:p>
@@ -3790,7 +3826,7 @@
           <a:p>
             <a:fld id="{C371A25B-1A51-40C1-A870-A49E466EAC33}" type="datetimeFigureOut">
               <a:rPr lang="ko-KR" altLang="en-US" smtClean="0"/>
-              <a:t>2016-04-01</a:t>
+              <a:t>2016-04-03</a:t>
             </a:fld>
             <a:endParaRPr lang="ko-KR" altLang="en-US"/>
           </a:p>
@@ -4047,7 +4083,7 @@
           <a:p>
             <a:fld id="{C371A25B-1A51-40C1-A870-A49E466EAC33}" type="datetimeFigureOut">
               <a:rPr lang="ko-KR" altLang="en-US" smtClean="0"/>
-              <a:t>2016-04-01</a:t>
+              <a:t>2016-04-03</a:t>
             </a:fld>
             <a:endParaRPr lang="ko-KR" altLang="en-US"/>
           </a:p>
@@ -4175,7 +4211,7 @@
         </p:nvSpPr>
         <p:spPr>
           <a:xfrm>
-            <a:off x="628650" y="1521354"/>
+            <a:off x="628650" y="1521356"/>
             <a:ext cx="7886700" cy="3626115"/>
           </a:xfrm>
           <a:prstGeom prst="rect">
@@ -4237,7 +4273,7 @@
         </p:nvSpPr>
         <p:spPr>
           <a:xfrm>
-            <a:off x="628650" y="5296959"/>
+            <a:off x="628650" y="5296961"/>
             <a:ext cx="2057400" cy="304271"/>
           </a:xfrm>
           <a:prstGeom prst="rect">
@@ -4262,7 +4298,7 @@
             <a:fld id="{C371A25B-1A51-40C1-A870-A49E466EAC33}" type="datetimeFigureOut">
               <a:rPr lang="ko-KR" altLang="en-US" smtClean="0"/>
               <a:pPr/>
-              <a:t>2016-04-01</a:t>
+              <a:t>2016-04-03</a:t>
             </a:fld>
             <a:endParaRPr lang="ko-KR" altLang="en-US" dirty="0"/>
           </a:p>
@@ -4280,7 +4316,7 @@
         </p:nvSpPr>
         <p:spPr>
           <a:xfrm>
-            <a:off x="3028950" y="5296959"/>
+            <a:off x="3028950" y="5296961"/>
             <a:ext cx="3086100" cy="304271"/>
           </a:xfrm>
           <a:prstGeom prst="rect">
@@ -4318,7 +4354,7 @@
         </p:nvSpPr>
         <p:spPr>
           <a:xfrm>
-            <a:off x="6457950" y="5296959"/>
+            <a:off x="6457950" y="5296961"/>
             <a:ext cx="2057400" cy="304271"/>
           </a:xfrm>
           <a:prstGeom prst="rect">
@@ -4682,7 +4718,7 @@
         </p:nvSpPr>
         <p:spPr>
           <a:xfrm>
-            <a:off x="818123" y="1521354"/>
+            <a:off x="818123" y="1521356"/>
             <a:ext cx="7886700" cy="3626115"/>
           </a:xfrm>
         </p:spPr>
@@ -4886,7 +4922,7 @@
         </p:nvSpPr>
         <p:spPr>
           <a:xfrm>
-            <a:off x="245909" y="2286187"/>
+            <a:off x="4557905" y="2186505"/>
             <a:ext cx="1797156" cy="308418"/>
           </a:xfrm>
           <a:prstGeom prst="rect">
@@ -4920,7 +4956,7 @@
         </p:nvSpPr>
         <p:spPr>
           <a:xfrm>
-            <a:off x="245909" y="99682"/>
+            <a:off x="4557905" y="0"/>
             <a:ext cx="1862706" cy="308418"/>
           </a:xfrm>
           <a:prstGeom prst="rect">
@@ -4954,7 +4990,7 @@
         </p:nvSpPr>
         <p:spPr>
           <a:xfrm>
-            <a:off x="245910" y="4652925"/>
+            <a:off x="4815877" y="5190054"/>
             <a:ext cx="2525644" cy="308418"/>
           </a:xfrm>
           <a:prstGeom prst="rect">
@@ -4989,13 +5025,13 @@
           <p:nvPr>
             <p:extLst>
               <p:ext uri="{D42A27DB-BD31-4B8C-83A1-F6EECF244321}">
-                <p14:modId xmlns:p14="http://schemas.microsoft.com/office/powerpoint/2010/main" val="3339376462"/>
+                <p14:modId xmlns:p14="http://schemas.microsoft.com/office/powerpoint/2010/main" val="2968728835"/>
               </p:ext>
             </p:extLst>
           </p:nvPr>
         </p:nvGraphicFramePr>
         <p:xfrm>
-          <a:off x="4577848" y="499233"/>
+          <a:off x="411006" y="4571919"/>
           <a:ext cx="3802566" cy="2377440"/>
         </p:xfrm>
         <a:graphic>
@@ -5434,7 +5470,7 @@
         </p:nvSpPr>
         <p:spPr>
           <a:xfrm>
-            <a:off x="4484915" y="99728"/>
+            <a:off x="318073" y="4172414"/>
             <a:ext cx="2714854" cy="308418"/>
           </a:xfrm>
           <a:prstGeom prst="rect">
@@ -5469,13 +5505,13 @@
           <p:nvPr>
             <p:extLst>
               <p:ext uri="{D42A27DB-BD31-4B8C-83A1-F6EECF244321}">
-                <p14:modId xmlns:p14="http://schemas.microsoft.com/office/powerpoint/2010/main" val="3131940345"/>
+                <p14:modId xmlns:p14="http://schemas.microsoft.com/office/powerpoint/2010/main" val="536838508"/>
               </p:ext>
             </p:extLst>
           </p:nvPr>
         </p:nvGraphicFramePr>
         <p:xfrm>
-          <a:off x="401446" y="5017770"/>
+          <a:off x="4971415" y="5554899"/>
           <a:ext cx="3546087" cy="1394460"/>
         </p:xfrm>
         <a:graphic>
@@ -5808,13 +5844,13 @@
           <p:nvPr>
             <p:extLst>
               <p:ext uri="{D42A27DB-BD31-4B8C-83A1-F6EECF244321}">
-                <p14:modId xmlns:p14="http://schemas.microsoft.com/office/powerpoint/2010/main" val="1322473906"/>
+                <p14:modId xmlns:p14="http://schemas.microsoft.com/office/powerpoint/2010/main" val="3510839161"/>
               </p:ext>
             </p:extLst>
           </p:nvPr>
         </p:nvGraphicFramePr>
         <p:xfrm>
-          <a:off x="401446" y="439911"/>
+          <a:off x="4713442" y="340229"/>
           <a:ext cx="3804058" cy="1485900"/>
         </p:xfrm>
         <a:graphic>
@@ -6104,13 +6140,13 @@
           <p:nvPr>
             <p:extLst>
               <p:ext uri="{D42A27DB-BD31-4B8C-83A1-F6EECF244321}">
-                <p14:modId xmlns:p14="http://schemas.microsoft.com/office/powerpoint/2010/main" val="184806941"/>
+                <p14:modId xmlns:p14="http://schemas.microsoft.com/office/powerpoint/2010/main" val="902223609"/>
               </p:ext>
             </p:extLst>
           </p:nvPr>
         </p:nvGraphicFramePr>
         <p:xfrm>
-          <a:off x="401446" y="2625392"/>
+          <a:off x="4713442" y="2525710"/>
           <a:ext cx="3949508" cy="1783080"/>
         </p:xfrm>
         <a:graphic>
@@ -6448,13 +6484,13 @@
           <p:nvPr>
             <p:extLst>
               <p:ext uri="{D42A27DB-BD31-4B8C-83A1-F6EECF244321}">
-                <p14:modId xmlns:p14="http://schemas.microsoft.com/office/powerpoint/2010/main" val="978879119"/>
+                <p14:modId xmlns:p14="http://schemas.microsoft.com/office/powerpoint/2010/main" val="2728141810"/>
               </p:ext>
             </p:extLst>
           </p:nvPr>
         </p:nvGraphicFramePr>
         <p:xfrm>
-          <a:off x="-3294743" y="637699"/>
+          <a:off x="318073" y="587785"/>
           <a:ext cx="3349312" cy="1188720"/>
         </p:xfrm>
         <a:graphic>
@@ -6695,7 +6731,7 @@
         </p:nvSpPr>
         <p:spPr>
           <a:xfrm>
-            <a:off x="-3147619" y="258825"/>
+            <a:off x="465197" y="208911"/>
             <a:ext cx="2239618" cy="308418"/>
           </a:xfrm>
           <a:prstGeom prst="rect">
@@ -6730,13 +6766,13 @@
           <p:nvPr>
             <p:extLst>
               <p:ext uri="{D42A27DB-BD31-4B8C-83A1-F6EECF244321}">
-                <p14:modId xmlns:p14="http://schemas.microsoft.com/office/powerpoint/2010/main" val="960037004"/>
+                <p14:modId xmlns:p14="http://schemas.microsoft.com/office/powerpoint/2010/main" val="2817029733"/>
               </p:ext>
             </p:extLst>
           </p:nvPr>
         </p:nvGraphicFramePr>
         <p:xfrm>
-          <a:off x="-3294742" y="2497169"/>
+          <a:off x="318074" y="2447255"/>
           <a:ext cx="3349312" cy="891540"/>
         </p:xfrm>
         <a:graphic>
@@ -6929,7 +6965,7 @@
         </p:nvSpPr>
         <p:spPr>
           <a:xfrm>
-            <a:off x="-3106731" y="2186156"/>
+            <a:off x="506085" y="2136242"/>
             <a:ext cx="1985612" cy="308418"/>
           </a:xfrm>
           <a:prstGeom prst="rect">
@@ -6964,13 +7000,13 @@
           <p:nvPr>
             <p:extLst>
               <p:ext uri="{D42A27DB-BD31-4B8C-83A1-F6EECF244321}">
-                <p14:modId xmlns:p14="http://schemas.microsoft.com/office/powerpoint/2010/main" val="1639557793"/>
+                <p14:modId xmlns:p14="http://schemas.microsoft.com/office/powerpoint/2010/main" val="2267897935"/>
               </p:ext>
             </p:extLst>
           </p:nvPr>
         </p:nvGraphicFramePr>
         <p:xfrm>
-          <a:off x="4773503" y="3737789"/>
+          <a:off x="9162820" y="567243"/>
           <a:ext cx="4333968" cy="2103850"/>
         </p:xfrm>
         <a:graphic>
@@ -7409,7 +7445,7 @@
         </p:nvSpPr>
         <p:spPr>
           <a:xfrm>
-            <a:off x="4484915" y="3121147"/>
+            <a:off x="8874232" y="-49399"/>
             <a:ext cx="4114799" cy="524503"/>
           </a:xfrm>
           <a:prstGeom prst="rect">
@@ -8213,6 +8249,66 @@
 </file>
 
 <file path=ppt/slides/slide11.xml><?xml version="1.0" encoding="utf-8"?>
+<p:sld xmlns:a="http://schemas.openxmlformats.org/drawingml/2006/main" xmlns:r="http://schemas.openxmlformats.org/officeDocument/2006/relationships" xmlns:p="http://schemas.openxmlformats.org/presentationml/2006/main">
+  <p:cSld>
+    <p:spTree>
+      <p:nvGrpSpPr>
+        <p:cNvPr id="1" name=""/>
+        <p:cNvGrpSpPr/>
+        <p:nvPr/>
+      </p:nvGrpSpPr>
+      <p:grpSpPr>
+        <a:xfrm>
+          <a:off x="0" y="0"/>
+          <a:ext cx="0" cy="0"/>
+          <a:chOff x="0" y="0"/>
+          <a:chExt cx="0" cy="0"/>
+        </a:xfrm>
+      </p:grpSpPr>
+      <p:pic>
+        <p:nvPicPr>
+          <p:cNvPr id="3" name="그림 2"/>
+          <p:cNvPicPr>
+            <a:picLocks noChangeAspect="1"/>
+          </p:cNvPicPr>
+          <p:nvPr/>
+        </p:nvPicPr>
+        <p:blipFill>
+          <a:blip r:embed="rId2" cstate="print">
+            <a:extLst>
+              <a:ext uri="{28A0092B-C50C-407E-A947-70E740481C1C}">
+                <a14:useLocalDpi xmlns:a14="http://schemas.microsoft.com/office/drawing/2010/main" val="0"/>
+              </a:ext>
+            </a:extLst>
+          </a:blip>
+          <a:stretch>
+            <a:fillRect/>
+          </a:stretch>
+        </p:blipFill>
+        <p:spPr>
+          <a:xfrm>
+            <a:off x="0" y="511795"/>
+            <a:ext cx="9144000" cy="4691410"/>
+          </a:xfrm>
+          <a:prstGeom prst="rect">
+            <a:avLst/>
+          </a:prstGeom>
+        </p:spPr>
+      </p:pic>
+    </p:spTree>
+    <p:extLst>
+      <p:ext uri="{BB962C8B-B14F-4D97-AF65-F5344CB8AC3E}">
+        <p14:creationId xmlns:p14="http://schemas.microsoft.com/office/powerpoint/2010/main" val="2730745246"/>
+      </p:ext>
+    </p:extLst>
+  </p:cSld>
+  <p:clrMapOvr>
+    <a:masterClrMapping/>
+  </p:clrMapOvr>
+</p:sld>
+</file>
+
+<file path=ppt/slides/slide12.xml><?xml version="1.0" encoding="utf-8"?>
 <p:sld xmlns:a="http://schemas.openxmlformats.org/drawingml/2006/main" xmlns:r="http://schemas.openxmlformats.org/officeDocument/2006/relationships" xmlns:p="http://schemas.openxmlformats.org/presentationml/2006/main">
   <p:cSld>
     <p:spTree>
@@ -11212,7 +11308,7 @@
         </p:nvSpPr>
         <p:spPr>
           <a:xfrm>
-            <a:off x="4907280" y="3661120"/>
+            <a:off x="4907282" y="3661120"/>
             <a:ext cx="1831703" cy="338370"/>
           </a:xfrm>
           <a:prstGeom prst="rect">
@@ -11260,7 +11356,7 @@
         </p:nvSpPr>
         <p:spPr>
           <a:xfrm>
-            <a:off x="4770119" y="4484080"/>
+            <a:off x="4770121" y="4484080"/>
             <a:ext cx="137161" cy="1087120"/>
           </a:xfrm>
           <a:prstGeom prst="leftBrace">
@@ -11303,7 +11399,7 @@
         </p:nvSpPr>
         <p:spPr>
           <a:xfrm>
-            <a:off x="4770118" y="5571199"/>
+            <a:off x="4770118" y="5571201"/>
             <a:ext cx="137162" cy="763545"/>
           </a:xfrm>
           <a:prstGeom prst="leftBrace">
@@ -11454,11 +11550,7 @@
           <a:lstStyle/>
           <a:p>
             <a:pPr algn="ctr"/>
-            <a:endParaRPr lang="ko-KR" altLang="en-US">
-              <a:solidFill>
-                <a:schemeClr val="tx1"/>
-              </a:solidFill>
-            </a:endParaRPr>
+            <a:endParaRPr lang="ko-KR" altLang="en-US"/>
           </a:p>
         </p:txBody>
       </p:sp>
@@ -11543,11 +11635,7 @@
           <a:lstStyle/>
           <a:p>
             <a:pPr algn="ctr"/>
-            <a:endParaRPr lang="ko-KR" altLang="en-US">
-              <a:solidFill>
-                <a:schemeClr val="tx1"/>
-              </a:solidFill>
-            </a:endParaRPr>
+            <a:endParaRPr lang="ko-KR" altLang="en-US"/>
           </a:p>
         </p:txBody>
       </p:sp>
@@ -11632,11 +11720,7 @@
           <a:lstStyle/>
           <a:p>
             <a:pPr algn="ctr"/>
-            <a:endParaRPr lang="ko-KR" altLang="en-US">
-              <a:solidFill>
-                <a:schemeClr val="tx1"/>
-              </a:solidFill>
-            </a:endParaRPr>
+            <a:endParaRPr lang="ko-KR" altLang="en-US"/>
           </a:p>
         </p:txBody>
       </p:sp>
@@ -11653,7 +11737,7 @@
 </p:sld>
 </file>
 
-<file path=ppt/slides/slide12.xml><?xml version="1.0" encoding="utf-8"?>
+<file path=ppt/slides/slide13.xml><?xml version="1.0" encoding="utf-8"?>
 <p:sld xmlns:a="http://schemas.openxmlformats.org/drawingml/2006/main" xmlns:r="http://schemas.openxmlformats.org/officeDocument/2006/relationships" xmlns:p="http://schemas.openxmlformats.org/presentationml/2006/main">
   <p:cSld>
     <p:spTree>
@@ -11686,7 +11770,7 @@
         </p:blipFill>
         <p:spPr>
           <a:xfrm>
-            <a:off x="206375" y="3266488"/>
+            <a:off x="206377" y="3266490"/>
             <a:ext cx="5495925" cy="600075"/>
           </a:xfrm>
           <a:prstGeom prst="rect">
@@ -11770,7 +11854,7 @@
         </p:blipFill>
         <p:spPr>
           <a:xfrm>
-            <a:off x="206375" y="2334504"/>
+            <a:off x="206375" y="2334506"/>
             <a:ext cx="6991350" cy="581025"/>
           </a:xfrm>
           <a:prstGeom prst="rect">
@@ -11824,7 +11908,7 @@
         </p:blipFill>
         <p:spPr>
           <a:xfrm>
-            <a:off x="206375" y="330175"/>
+            <a:off x="206377" y="330177"/>
             <a:ext cx="6105525" cy="1704975"/>
           </a:xfrm>
           <a:prstGeom prst="rect">
@@ -11848,7 +11932,7 @@
         </p:blipFill>
         <p:spPr>
           <a:xfrm>
-            <a:off x="206375" y="4159605"/>
+            <a:off x="206377" y="4159607"/>
             <a:ext cx="3743325" cy="676275"/>
           </a:xfrm>
           <a:prstGeom prst="rect">
@@ -11902,7 +11986,7 @@
         </p:blipFill>
         <p:spPr>
           <a:xfrm>
-            <a:off x="206375" y="5124450"/>
+            <a:off x="206377" y="5124450"/>
             <a:ext cx="4867275" cy="590550"/>
           </a:xfrm>
           <a:prstGeom prst="rect">
@@ -12201,7 +12285,7 @@
         </p:nvCxnSpPr>
         <p:spPr>
           <a:xfrm>
-            <a:off x="4261758" y="3804558"/>
+            <a:off x="4261760" y="3804558"/>
             <a:ext cx="1268549" cy="0"/>
           </a:xfrm>
           <a:prstGeom prst="straightConnector1">
@@ -12237,7 +12321,7 @@
         </p:nvSpPr>
         <p:spPr>
           <a:xfrm>
-            <a:off x="2171701" y="4294414"/>
+            <a:off x="2171701" y="4294416"/>
             <a:ext cx="1077686" cy="318407"/>
           </a:xfrm>
           <a:prstGeom prst="rect">
@@ -12282,7 +12366,7 @@
         </p:nvSpPr>
         <p:spPr>
           <a:xfrm>
-            <a:off x="3964645" y="4294414"/>
+            <a:off x="3964645" y="4294416"/>
             <a:ext cx="1077686" cy="318407"/>
           </a:xfrm>
           <a:prstGeom prst="rect">
@@ -12374,7 +12458,7 @@
         </p:nvSpPr>
         <p:spPr>
           <a:xfrm>
-            <a:off x="5747464" y="4294414"/>
+            <a:off x="5747464" y="4294416"/>
             <a:ext cx="1077686" cy="318407"/>
           </a:xfrm>
           <a:prstGeom prst="rect">
@@ -12457,7 +12541,7 @@
         </p:nvSpPr>
         <p:spPr>
           <a:xfrm>
-            <a:off x="3016926" y="566814"/>
+            <a:off x="3016928" y="566814"/>
             <a:ext cx="3110147" cy="424732"/>
           </a:xfrm>
           <a:prstGeom prst="rect">
@@ -12765,7 +12849,7 @@
         </p:nvCxnSpPr>
         <p:spPr>
           <a:xfrm>
-            <a:off x="3175907" y="2563586"/>
+            <a:off x="3175909" y="2563586"/>
             <a:ext cx="1268549" cy="0"/>
           </a:xfrm>
           <a:prstGeom prst="straightConnector1">
@@ -12801,7 +12885,7 @@
         </p:nvCxnSpPr>
         <p:spPr>
           <a:xfrm>
-            <a:off x="5956456" y="2858899"/>
+            <a:off x="5956456" y="2858901"/>
             <a:ext cx="436180" cy="2495"/>
           </a:xfrm>
           <a:prstGeom prst="line">
@@ -12878,7 +12962,7 @@
         </p:nvSpPr>
         <p:spPr>
           <a:xfrm>
-            <a:off x="1085850" y="4294414"/>
+            <a:off x="1085850" y="4294416"/>
             <a:ext cx="1077686" cy="318407"/>
           </a:xfrm>
           <a:prstGeom prst="rect">
@@ -12923,7 +13007,7 @@
         </p:nvSpPr>
         <p:spPr>
           <a:xfrm>
-            <a:off x="2878794" y="4294414"/>
+            <a:off x="2878794" y="4294416"/>
             <a:ext cx="1077686" cy="318407"/>
           </a:xfrm>
           <a:prstGeom prst="rect">
@@ -12968,7 +13052,7 @@
         </p:nvSpPr>
         <p:spPr>
           <a:xfrm>
-            <a:off x="4671738" y="4294414"/>
+            <a:off x="4671738" y="4294416"/>
             <a:ext cx="1077686" cy="318407"/>
           </a:xfrm>
           <a:prstGeom prst="rect">
@@ -13021,7 +13105,7 @@
         </p:nvSpPr>
         <p:spPr>
           <a:xfrm>
-            <a:off x="6822993" y="2471015"/>
+            <a:off x="6822993" y="2471017"/>
             <a:ext cx="1077686" cy="318407"/>
           </a:xfrm>
           <a:prstGeom prst="rect">
@@ -13066,7 +13150,7 @@
         </p:nvSpPr>
         <p:spPr>
           <a:xfrm>
-            <a:off x="6827110" y="5156688"/>
+            <a:off x="6827110" y="5156690"/>
             <a:ext cx="1077686" cy="318407"/>
           </a:xfrm>
           <a:prstGeom prst="rect">
@@ -13141,7 +13225,7 @@
         </p:nvSpPr>
         <p:spPr>
           <a:xfrm>
-            <a:off x="3016926" y="566814"/>
+            <a:off x="3016928" y="566814"/>
             <a:ext cx="3498073" cy="424732"/>
           </a:xfrm>
           <a:prstGeom prst="rect">
@@ -13413,7 +13497,7 @@
         </p:nvCxnSpPr>
         <p:spPr>
           <a:xfrm>
-            <a:off x="2377872" y="2858899"/>
+            <a:off x="2377872" y="2858901"/>
             <a:ext cx="436180" cy="2495"/>
           </a:xfrm>
           <a:prstGeom prst="line">
@@ -13487,7 +13571,7 @@
         </p:nvCxnSpPr>
         <p:spPr>
           <a:xfrm>
-            <a:off x="4389466" y="3806371"/>
+            <a:off x="4389468" y="3806371"/>
             <a:ext cx="532493" cy="0"/>
           </a:xfrm>
           <a:prstGeom prst="straightConnector1">
@@ -13599,7 +13683,7 @@
         </p:nvSpPr>
         <p:spPr>
           <a:xfrm>
-            <a:off x="1085850" y="4294414"/>
+            <a:off x="1085850" y="4294416"/>
             <a:ext cx="1077686" cy="318407"/>
           </a:xfrm>
           <a:prstGeom prst="rect">
@@ -13652,7 +13736,7 @@
         </p:nvSpPr>
         <p:spPr>
           <a:xfrm>
-            <a:off x="3291110" y="2382822"/>
+            <a:off x="3291110" y="2382824"/>
             <a:ext cx="1077686" cy="318407"/>
           </a:xfrm>
           <a:prstGeom prst="rect">
@@ -13718,7 +13802,7 @@
         </p:nvSpPr>
         <p:spPr>
           <a:xfrm>
-            <a:off x="3288099" y="5143883"/>
+            <a:off x="3288099" y="5143885"/>
             <a:ext cx="1077686" cy="318407"/>
           </a:xfrm>
           <a:prstGeom prst="rect">
@@ -13784,7 +13868,7 @@
         </p:nvSpPr>
         <p:spPr>
           <a:xfrm>
-            <a:off x="5121882" y="5143882"/>
+            <a:off x="5121882" y="5143884"/>
             <a:ext cx="1077686" cy="318407"/>
           </a:xfrm>
           <a:prstGeom prst="rect">
@@ -13837,7 +13921,7 @@
         </p:nvSpPr>
         <p:spPr>
           <a:xfrm>
-            <a:off x="7260019" y="3883882"/>
+            <a:off x="7260019" y="3883884"/>
             <a:ext cx="1077686" cy="318407"/>
           </a:xfrm>
           <a:prstGeom prst="rect">
@@ -13882,7 +13966,7 @@
         </p:nvSpPr>
         <p:spPr>
           <a:xfrm>
-            <a:off x="2992434" y="2850735"/>
+            <a:off x="2992436" y="2850737"/>
             <a:ext cx="1685703" cy="2692815"/>
           </a:xfrm>
           <a:prstGeom prst="rect">
@@ -13958,7 +14042,7 @@
         </p:nvSpPr>
         <p:spPr>
           <a:xfrm>
-            <a:off x="3016926" y="566814"/>
+            <a:off x="3016928" y="566814"/>
             <a:ext cx="4307589" cy="424732"/>
           </a:xfrm>
           <a:prstGeom prst="rect">
@@ -14075,7 +14159,7 @@
         </p:nvCxnSpPr>
         <p:spPr>
           <a:xfrm>
-            <a:off x="2377872" y="2858899"/>
+            <a:off x="2377872" y="2858901"/>
             <a:ext cx="436180" cy="2495"/>
           </a:xfrm>
           <a:prstGeom prst="line">
@@ -14328,7 +14412,7 @@
         </p:nvCxnSpPr>
         <p:spPr>
           <a:xfrm flipH="1">
-            <a:off x="4571907" y="1454921"/>
+            <a:off x="4571909" y="1454921"/>
             <a:ext cx="12701" cy="2750644"/>
           </a:xfrm>
           <a:prstGeom prst="bentConnector3">
@@ -14365,7 +14449,7 @@
         </p:nvSpPr>
         <p:spPr>
           <a:xfrm>
-            <a:off x="1070558" y="4295373"/>
+            <a:off x="1070558" y="4295375"/>
             <a:ext cx="1077686" cy="318407"/>
           </a:xfrm>
           <a:prstGeom prst="rect">
@@ -14416,7 +14500,7 @@
         </p:nvSpPr>
         <p:spPr>
           <a:xfrm>
-            <a:off x="3291110" y="2382822"/>
+            <a:off x="3291110" y="2382824"/>
             <a:ext cx="1077686" cy="318407"/>
           </a:xfrm>
           <a:prstGeom prst="rect">
@@ -14478,7 +14562,7 @@
         </p:nvSpPr>
         <p:spPr>
           <a:xfrm>
-            <a:off x="3289300" y="5147158"/>
+            <a:off x="3289300" y="5147160"/>
             <a:ext cx="1077686" cy="318407"/>
           </a:xfrm>
           <a:prstGeom prst="rect">
@@ -14540,7 +14624,7 @@
         </p:nvSpPr>
         <p:spPr>
           <a:xfrm>
-            <a:off x="5456907" y="3896641"/>
+            <a:off x="5456907" y="3896643"/>
             <a:ext cx="1077686" cy="318407"/>
           </a:xfrm>
           <a:prstGeom prst="rect">
@@ -14608,83 +14692,6 @@
           <a:chExt cx="0" cy="0"/>
         </a:xfrm>
       </p:grpSpPr>
-      <p:sp>
-        <p:nvSpPr>
-          <p:cNvPr id="5" name="TextBox 4"/>
-          <p:cNvSpPr txBox="1"/>
-          <p:nvPr/>
-        </p:nvSpPr>
-        <p:spPr>
-          <a:xfrm>
-            <a:off x="3729461" y="663306"/>
-            <a:ext cx="1810111" cy="424732"/>
-          </a:xfrm>
-          <a:prstGeom prst="rect">
-            <a:avLst/>
-          </a:prstGeom>
-          <a:noFill/>
-        </p:spPr>
-        <p:txBody>
-          <a:bodyPr wrap="none" rtlCol="0">
-            <a:spAutoFit/>
-          </a:bodyPr>
-          <a:lstStyle/>
-          <a:p>
-            <a:r>
-              <a:rPr lang="ko-KR" altLang="en-US" sz="2160" b="1" dirty="0">
-                <a:solidFill>
-                  <a:srgbClr val="002060"/>
-                </a:solidFill>
-                <a:latin typeface="a아메리카노L" panose="02020600000000000000" pitchFamily="18" charset="-127"/>
-                <a:ea typeface="a아메리카노L" panose="02020600000000000000" pitchFamily="18" charset="-127"/>
-              </a:rPr>
-              <a:t>와이어프레임</a:t>
-            </a:r>
-            <a:endParaRPr lang="en-US" altLang="ko-KR" sz="2160" b="1" dirty="0">
-              <a:solidFill>
-                <a:srgbClr val="002060"/>
-              </a:solidFill>
-              <a:latin typeface="a아메리카노L" panose="02020600000000000000" pitchFamily="18" charset="-127"/>
-              <a:ea typeface="a아메리카노L" panose="02020600000000000000" pitchFamily="18" charset="-127"/>
-            </a:endParaRPr>
-          </a:p>
-        </p:txBody>
-      </p:sp>
-      <p:cxnSp>
-        <p:nvCxnSpPr>
-          <p:cNvPr id="6" name="직선 연결선 5"/>
-          <p:cNvCxnSpPr/>
-          <p:nvPr/>
-        </p:nvCxnSpPr>
-        <p:spPr>
-          <a:xfrm>
-            <a:off x="872810" y="1168148"/>
-            <a:ext cx="7398954" cy="0"/>
-          </a:xfrm>
-          <a:prstGeom prst="line">
-            <a:avLst/>
-          </a:prstGeom>
-          <a:ln w="38100">
-            <a:solidFill>
-              <a:srgbClr val="002060"/>
-            </a:solidFill>
-          </a:ln>
-        </p:spPr>
-        <p:style>
-          <a:lnRef idx="1">
-            <a:schemeClr val="accent1"/>
-          </a:lnRef>
-          <a:fillRef idx="0">
-            <a:schemeClr val="accent1"/>
-          </a:fillRef>
-          <a:effectRef idx="0">
-            <a:schemeClr val="accent1"/>
-          </a:effectRef>
-          <a:fontRef idx="minor">
-            <a:schemeClr val="tx1"/>
-          </a:fontRef>
-        </p:style>
-      </p:cxnSp>
       <p:pic>
         <p:nvPicPr>
           <p:cNvPr id="2" name="그림 1"/>
@@ -14693,7 +14700,7 @@
           </p:cNvPicPr>
           <p:nvPr/>
         </p:nvPicPr>
-        <p:blipFill>
+        <p:blipFill rotWithShape="1">
           <a:blip r:embed="rId3" cstate="print">
             <a:extLst>
               <a:ext uri="{28A0092B-C50C-407E-A947-70E740481C1C}">
@@ -14701,14 +14708,13 @@
               </a:ext>
             </a:extLst>
           </a:blip>
-          <a:stretch>
-            <a:fillRect/>
-          </a:stretch>
+          <a:srcRect l="1650"/>
+          <a:stretch/>
         </p:blipFill>
         <p:spPr>
           <a:xfrm>
-            <a:off x="818470" y="1346230"/>
-            <a:ext cx="7364186" cy="4093932"/>
+            <a:off x="55758" y="384010"/>
+            <a:ext cx="9043639" cy="5111908"/>
           </a:xfrm>
           <a:prstGeom prst="rect">
             <a:avLst/>
@@ -14753,7 +14759,7 @@
         </p:nvSpPr>
         <p:spPr>
           <a:xfrm>
-            <a:off x="4104564" y="663306"/>
+            <a:off x="4104566" y="663306"/>
             <a:ext cx="990977" cy="424732"/>
           </a:xfrm>
           <a:prstGeom prst="rect">
@@ -14844,7 +14850,7 @@
         </p:blipFill>
         <p:spPr>
           <a:xfrm>
-            <a:off x="1750740" y="1248259"/>
+            <a:off x="1750742" y="1248261"/>
             <a:ext cx="5497553" cy="4362963"/>
           </a:xfrm>
           <a:prstGeom prst="rect">
@@ -15462,14 +15468,6 @@
               </a:rPr>
               <a:t>, 2009. 8. 15., Blue Fish)</a:t>
             </a:r>
-            <a:endParaRPr lang="en-US" altLang="ko-KR" b="0" i="0" dirty="0">
-              <a:solidFill>
-                <a:srgbClr val="000000"/>
-              </a:solidFill>
-              <a:effectLst/>
-              <a:latin typeface="Dotum" panose="020B0600000101010101" pitchFamily="50" charset="-127"/>
-              <a:ea typeface="Dotum" panose="020B0600000101010101" pitchFamily="50" charset="-127"/>
-            </a:endParaRPr>
           </a:p>
         </p:txBody>
       </p:sp>
@@ -15518,7 +15516,7 @@
           </p:nvPr>
         </p:nvGraphicFramePr>
         <p:xfrm>
-          <a:off x="351262" y="62345"/>
+          <a:off x="351264" y="62347"/>
           <a:ext cx="8536261" cy="10747327"/>
         </p:xfrm>
         <a:graphic>

--- a/설계참고자료V3_sh.pptx
+++ b/설계참고자료V3_sh.pptx
@@ -246,7 +246,7 @@
             <a:fld id="{29A4CCEE-A5BC-4B50-8AEB-B0D523E630C0}" type="datetimeFigureOut">
               <a:rPr lang="ko-KR" altLang="en-US" smtClean="0"/>
               <a:pPr/>
-              <a:t>2016-04-01</a:t>
+              <a:t>2016-04-06</a:t>
             </a:fld>
             <a:endParaRPr lang="ko-KR" altLang="en-US" dirty="0"/>
           </a:p>
@@ -1935,7 +1935,7 @@
           <a:p>
             <a:fld id="{C371A25B-1A51-40C1-A870-A49E466EAC33}" type="datetimeFigureOut">
               <a:rPr lang="ko-KR" altLang="en-US" smtClean="0"/>
-              <a:t>2016-04-01</a:t>
+              <a:t>2016-04-06</a:t>
             </a:fld>
             <a:endParaRPr lang="ko-KR" altLang="en-US"/>
           </a:p>
@@ -2105,7 +2105,7 @@
           <a:p>
             <a:fld id="{C371A25B-1A51-40C1-A870-A49E466EAC33}" type="datetimeFigureOut">
               <a:rPr lang="ko-KR" altLang="en-US" smtClean="0"/>
-              <a:t>2016-04-01</a:t>
+              <a:t>2016-04-06</a:t>
             </a:fld>
             <a:endParaRPr lang="ko-KR" altLang="en-US"/>
           </a:p>
@@ -2285,7 +2285,7 @@
           <a:p>
             <a:fld id="{C371A25B-1A51-40C1-A870-A49E466EAC33}" type="datetimeFigureOut">
               <a:rPr lang="ko-KR" altLang="en-US" smtClean="0"/>
-              <a:t>2016-04-01</a:t>
+              <a:t>2016-04-06</a:t>
             </a:fld>
             <a:endParaRPr lang="ko-KR" altLang="en-US"/>
           </a:p>
@@ -2455,7 +2455,7 @@
           <a:p>
             <a:fld id="{C371A25B-1A51-40C1-A870-A49E466EAC33}" type="datetimeFigureOut">
               <a:rPr lang="ko-KR" altLang="en-US" smtClean="0"/>
-              <a:t>2016-04-01</a:t>
+              <a:t>2016-04-06</a:t>
             </a:fld>
             <a:endParaRPr lang="ko-KR" altLang="en-US"/>
           </a:p>
@@ -2701,7 +2701,7 @@
           <a:p>
             <a:fld id="{C371A25B-1A51-40C1-A870-A49E466EAC33}" type="datetimeFigureOut">
               <a:rPr lang="ko-KR" altLang="en-US" smtClean="0"/>
-              <a:t>2016-04-01</a:t>
+              <a:t>2016-04-06</a:t>
             </a:fld>
             <a:endParaRPr lang="ko-KR" altLang="en-US"/>
           </a:p>
@@ -2933,7 +2933,7 @@
           <a:p>
             <a:fld id="{C371A25B-1A51-40C1-A870-A49E466EAC33}" type="datetimeFigureOut">
               <a:rPr lang="ko-KR" altLang="en-US" smtClean="0"/>
-              <a:t>2016-04-01</a:t>
+              <a:t>2016-04-06</a:t>
             </a:fld>
             <a:endParaRPr lang="ko-KR" altLang="en-US"/>
           </a:p>
@@ -3300,7 +3300,7 @@
           <a:p>
             <a:fld id="{C371A25B-1A51-40C1-A870-A49E466EAC33}" type="datetimeFigureOut">
               <a:rPr lang="ko-KR" altLang="en-US" smtClean="0"/>
-              <a:t>2016-04-01</a:t>
+              <a:t>2016-04-06</a:t>
             </a:fld>
             <a:endParaRPr lang="ko-KR" altLang="en-US"/>
           </a:p>
@@ -3418,7 +3418,7 @@
           <a:p>
             <a:fld id="{C371A25B-1A51-40C1-A870-A49E466EAC33}" type="datetimeFigureOut">
               <a:rPr lang="ko-KR" altLang="en-US" smtClean="0"/>
-              <a:t>2016-04-01</a:t>
+              <a:t>2016-04-06</a:t>
             </a:fld>
             <a:endParaRPr lang="ko-KR" altLang="en-US"/>
           </a:p>
@@ -3513,7 +3513,7 @@
           <a:p>
             <a:fld id="{C371A25B-1A51-40C1-A870-A49E466EAC33}" type="datetimeFigureOut">
               <a:rPr lang="ko-KR" altLang="en-US" smtClean="0"/>
-              <a:t>2016-04-01</a:t>
+              <a:t>2016-04-06</a:t>
             </a:fld>
             <a:endParaRPr lang="ko-KR" altLang="en-US"/>
           </a:p>
@@ -3790,7 +3790,7 @@
           <a:p>
             <a:fld id="{C371A25B-1A51-40C1-A870-A49E466EAC33}" type="datetimeFigureOut">
               <a:rPr lang="ko-KR" altLang="en-US" smtClean="0"/>
-              <a:t>2016-04-01</a:t>
+              <a:t>2016-04-06</a:t>
             </a:fld>
             <a:endParaRPr lang="ko-KR" altLang="en-US"/>
           </a:p>
@@ -4047,7 +4047,7 @@
           <a:p>
             <a:fld id="{C371A25B-1A51-40C1-A870-A49E466EAC33}" type="datetimeFigureOut">
               <a:rPr lang="ko-KR" altLang="en-US" smtClean="0"/>
-              <a:t>2016-04-01</a:t>
+              <a:t>2016-04-06</a:t>
             </a:fld>
             <a:endParaRPr lang="ko-KR" altLang="en-US"/>
           </a:p>
@@ -4262,7 +4262,7 @@
             <a:fld id="{C371A25B-1A51-40C1-A870-A49E466EAC33}" type="datetimeFigureOut">
               <a:rPr lang="ko-KR" altLang="en-US" smtClean="0"/>
               <a:pPr/>
-              <a:t>2016-04-01</a:t>
+              <a:t>2016-04-06</a:t>
             </a:fld>
             <a:endParaRPr lang="ko-KR" altLang="en-US" dirty="0"/>
           </a:p>
@@ -6964,7 +6964,7 @@
           <p:nvPr>
             <p:extLst>
               <p:ext uri="{D42A27DB-BD31-4B8C-83A1-F6EECF244321}">
-                <p14:modId xmlns:p14="http://schemas.microsoft.com/office/powerpoint/2010/main" val="1639557793"/>
+                <p14:modId xmlns:p14="http://schemas.microsoft.com/office/powerpoint/2010/main" val="3074077648"/>
               </p:ext>
             </p:extLst>
           </p:nvPr>
@@ -7359,10 +7359,18 @@
                     <a:p>
                       <a:pPr latinLnBrk="1"/>
                       <a:r>
-                        <a:rPr lang="en-US" altLang="ko-KR" dirty="0" err="1"/>
+                        <a:rPr lang="en-US" altLang="ko-KR" dirty="0" err="1">
+                          <a:solidFill>
+                            <a:srgbClr val="FF0000"/>
+                          </a:solidFill>
+                        </a:rPr>
                         <a:t>treat_code</a:t>
                       </a:r>
-                      <a:endParaRPr lang="ko-KR" altLang="en-US" dirty="0"/>
+                      <a:endParaRPr lang="ko-KR" altLang="en-US" dirty="0">
+                        <a:solidFill>
+                          <a:srgbClr val="FF0000"/>
+                        </a:solidFill>
+                      </a:endParaRPr>
                     </a:p>
                   </a:txBody>
                   <a:tcPr/>
@@ -7474,7 +7482,7 @@
           <p:nvPr>
             <p:extLst>
               <p:ext uri="{D42A27DB-BD31-4B8C-83A1-F6EECF244321}">
-                <p14:modId xmlns:p14="http://schemas.microsoft.com/office/powerpoint/2010/main" val="513450833"/>
+                <p14:modId xmlns:p14="http://schemas.microsoft.com/office/powerpoint/2010/main" val="4151335011"/>
               </p:ext>
             </p:extLst>
           </p:nvPr>
@@ -7621,10 +7629,18 @@
                     <a:p>
                       <a:pPr latinLnBrk="1"/>
                       <a:r>
-                        <a:rPr lang="en-US" altLang="ko-KR" dirty="0" err="1"/>
+                        <a:rPr lang="en-US" altLang="ko-KR" dirty="0" err="1">
+                          <a:solidFill>
+                            <a:srgbClr val="FF0000"/>
+                          </a:solidFill>
+                        </a:rPr>
                         <a:t>treat_code</a:t>
                       </a:r>
-                      <a:endParaRPr lang="ko-KR" altLang="en-US" dirty="0"/>
+                      <a:endParaRPr lang="ko-KR" altLang="en-US" dirty="0">
+                        <a:solidFill>
+                          <a:srgbClr val="FF0000"/>
+                        </a:solidFill>
+                      </a:endParaRPr>
                     </a:p>
                   </a:txBody>
                   <a:tcPr/>

--- a/설계참고자료V3_sh.pptx
+++ b/설계참고자료V3_sh.pptx
@@ -247,7 +247,7 @@
             <a:fld id="{29A4CCEE-A5BC-4B50-8AEB-B0D523E630C0}" type="datetimeFigureOut">
               <a:rPr lang="ko-KR" altLang="en-US" smtClean="0"/>
               <a:pPr/>
-              <a:t>2016-04-03</a:t>
+              <a:t>2016-06-22</a:t>
             </a:fld>
             <a:endParaRPr lang="ko-KR" altLang="en-US" dirty="0"/>
           </a:p>
@@ -1971,7 +1971,7 @@
           <a:p>
             <a:fld id="{C371A25B-1A51-40C1-A870-A49E466EAC33}" type="datetimeFigureOut">
               <a:rPr lang="ko-KR" altLang="en-US" smtClean="0"/>
-              <a:t>2016-04-03</a:t>
+              <a:t>2016-06-22</a:t>
             </a:fld>
             <a:endParaRPr lang="ko-KR" altLang="en-US"/>
           </a:p>
@@ -2141,7 +2141,7 @@
           <a:p>
             <a:fld id="{C371A25B-1A51-40C1-A870-A49E466EAC33}" type="datetimeFigureOut">
               <a:rPr lang="ko-KR" altLang="en-US" smtClean="0"/>
-              <a:t>2016-04-03</a:t>
+              <a:t>2016-06-22</a:t>
             </a:fld>
             <a:endParaRPr lang="ko-KR" altLang="en-US"/>
           </a:p>
@@ -2321,7 +2321,7 @@
           <a:p>
             <a:fld id="{C371A25B-1A51-40C1-A870-A49E466EAC33}" type="datetimeFigureOut">
               <a:rPr lang="ko-KR" altLang="en-US" smtClean="0"/>
-              <a:t>2016-04-03</a:t>
+              <a:t>2016-06-22</a:t>
             </a:fld>
             <a:endParaRPr lang="ko-KR" altLang="en-US"/>
           </a:p>
@@ -2491,7 +2491,7 @@
           <a:p>
             <a:fld id="{C371A25B-1A51-40C1-A870-A49E466EAC33}" type="datetimeFigureOut">
               <a:rPr lang="ko-KR" altLang="en-US" smtClean="0"/>
-              <a:t>2016-04-03</a:t>
+              <a:t>2016-06-22</a:t>
             </a:fld>
             <a:endParaRPr lang="ko-KR" altLang="en-US"/>
           </a:p>
@@ -2737,7 +2737,7 @@
           <a:p>
             <a:fld id="{C371A25B-1A51-40C1-A870-A49E466EAC33}" type="datetimeFigureOut">
               <a:rPr lang="ko-KR" altLang="en-US" smtClean="0"/>
-              <a:t>2016-04-03</a:t>
+              <a:t>2016-06-22</a:t>
             </a:fld>
             <a:endParaRPr lang="ko-KR" altLang="en-US"/>
           </a:p>
@@ -2969,7 +2969,7 @@
           <a:p>
             <a:fld id="{C371A25B-1A51-40C1-A870-A49E466EAC33}" type="datetimeFigureOut">
               <a:rPr lang="ko-KR" altLang="en-US" smtClean="0"/>
-              <a:t>2016-04-03</a:t>
+              <a:t>2016-06-22</a:t>
             </a:fld>
             <a:endParaRPr lang="ko-KR" altLang="en-US"/>
           </a:p>
@@ -3336,7 +3336,7 @@
           <a:p>
             <a:fld id="{C371A25B-1A51-40C1-A870-A49E466EAC33}" type="datetimeFigureOut">
               <a:rPr lang="ko-KR" altLang="en-US" smtClean="0"/>
-              <a:t>2016-04-03</a:t>
+              <a:t>2016-06-22</a:t>
             </a:fld>
             <a:endParaRPr lang="ko-KR" altLang="en-US"/>
           </a:p>
@@ -3454,7 +3454,7 @@
           <a:p>
             <a:fld id="{C371A25B-1A51-40C1-A870-A49E466EAC33}" type="datetimeFigureOut">
               <a:rPr lang="ko-KR" altLang="en-US" smtClean="0"/>
-              <a:t>2016-04-03</a:t>
+              <a:t>2016-06-22</a:t>
             </a:fld>
             <a:endParaRPr lang="ko-KR" altLang="en-US"/>
           </a:p>
@@ -3549,7 +3549,7 @@
           <a:p>
             <a:fld id="{C371A25B-1A51-40C1-A870-A49E466EAC33}" type="datetimeFigureOut">
               <a:rPr lang="ko-KR" altLang="en-US" smtClean="0"/>
-              <a:t>2016-04-03</a:t>
+              <a:t>2016-06-22</a:t>
             </a:fld>
             <a:endParaRPr lang="ko-KR" altLang="en-US"/>
           </a:p>
@@ -3826,7 +3826,7 @@
           <a:p>
             <a:fld id="{C371A25B-1A51-40C1-A870-A49E466EAC33}" type="datetimeFigureOut">
               <a:rPr lang="ko-KR" altLang="en-US" smtClean="0"/>
-              <a:t>2016-04-03</a:t>
+              <a:t>2016-06-22</a:t>
             </a:fld>
             <a:endParaRPr lang="ko-KR" altLang="en-US"/>
           </a:p>
@@ -4083,7 +4083,7 @@
           <a:p>
             <a:fld id="{C371A25B-1A51-40C1-A870-A49E466EAC33}" type="datetimeFigureOut">
               <a:rPr lang="ko-KR" altLang="en-US" smtClean="0"/>
-              <a:t>2016-04-03</a:t>
+              <a:t>2016-06-22</a:t>
             </a:fld>
             <a:endParaRPr lang="ko-KR" altLang="en-US"/>
           </a:p>
@@ -4298,7 +4298,7 @@
             <a:fld id="{C371A25B-1A51-40C1-A870-A49E466EAC33}" type="datetimeFigureOut">
               <a:rPr lang="ko-KR" altLang="en-US" smtClean="0"/>
               <a:pPr/>
-              <a:t>2016-04-03</a:t>
+              <a:t>2016-06-22</a:t>
             </a:fld>
             <a:endParaRPr lang="ko-KR" altLang="en-US" dirty="0"/>
           </a:p>
@@ -7510,14 +7510,14 @@
           <p:nvPr>
             <p:extLst>
               <p:ext uri="{D42A27DB-BD31-4B8C-83A1-F6EECF244321}">
-                <p14:modId xmlns:p14="http://schemas.microsoft.com/office/powerpoint/2010/main" val="513450833"/>
+                <p14:modId xmlns:p14="http://schemas.microsoft.com/office/powerpoint/2010/main" val="199746226"/>
               </p:ext>
             </p:extLst>
           </p:nvPr>
         </p:nvGraphicFramePr>
         <p:xfrm>
           <a:off x="9293495" y="3737789"/>
-          <a:ext cx="4765968" cy="3211570"/>
+          <a:ext cx="4765968" cy="4113220"/>
         </p:xfrm>
         <a:graphic>
           <a:graphicData uri="http://schemas.openxmlformats.org/drawingml/2006/table">
@@ -7606,6 +7606,58 @@
                       <a:pPr latinLnBrk="1"/>
                       <a:r>
                         <a:rPr lang="en-US" altLang="ko-KR" dirty="0" err="1"/>
+                        <a:t>num</a:t>
+                      </a:r>
+                      <a:endParaRPr lang="ko-KR" altLang="en-US" dirty="0"/>
+                    </a:p>
+                  </a:txBody>
+                  <a:tcPr/>
+                </a:tc>
+                <a:tc>
+                  <a:txBody>
+                    <a:bodyPr/>
+                    <a:lstStyle/>
+                    <a:p>
+                      <a:pPr latinLnBrk="1"/>
+                      <a:r>
+                        <a:rPr lang="en-US" altLang="ko-KR" dirty="0" err="1"/>
+                        <a:t>int</a:t>
+                      </a:r>
+                      <a:endParaRPr lang="ko-KR" altLang="en-US" dirty="0"/>
+                    </a:p>
+                  </a:txBody>
+                  <a:tcPr/>
+                </a:tc>
+                <a:tc>
+                  <a:txBody>
+                    <a:bodyPr/>
+                    <a:lstStyle/>
+                    <a:p>
+                      <a:pPr latinLnBrk="1"/>
+                      <a:r>
+                        <a:rPr lang="en-US" altLang="ko-KR" dirty="0"/>
+                        <a:t>AI</a:t>
+                      </a:r>
+                      <a:endParaRPr lang="ko-KR" altLang="en-US" dirty="0"/>
+                    </a:p>
+                  </a:txBody>
+                  <a:tcPr/>
+                </a:tc>
+                <a:extLst>
+                  <a:ext uri="{0D108BD9-81ED-4DB2-BD59-A6C34878D82A}">
+                    <a16:rowId xmlns:a16="http://schemas.microsoft.com/office/drawing/2014/main" val="3822395511"/>
+                  </a:ext>
+                </a:extLst>
+              </a:tr>
+              <a:tr h="300550">
+                <a:tc>
+                  <a:txBody>
+                    <a:bodyPr/>
+                    <a:lstStyle/>
+                    <a:p>
+                      <a:pPr latinLnBrk="1"/>
+                      <a:r>
+                        <a:rPr lang="en-US" altLang="ko-KR" dirty="0" err="1"/>
                         <a:t>user_id</a:t>
                       </a:r>
                       <a:endParaRPr lang="ko-KR" altLang="en-US" dirty="0"/>
@@ -7646,6 +7698,129 @@
                 <a:extLst>
                   <a:ext uri="{0D108BD9-81ED-4DB2-BD59-A6C34878D82A}">
                     <a16:rowId xmlns:a16="http://schemas.microsoft.com/office/drawing/2014/main" val="10001"/>
+                  </a:ext>
+                </a:extLst>
+              </a:tr>
+              <a:tr h="300550">
+                <a:tc>
+                  <a:txBody>
+                    <a:bodyPr/>
+                    <a:lstStyle/>
+                    <a:p>
+                      <a:pPr latinLnBrk="1"/>
+                      <a:r>
+                        <a:rPr lang="en-US" altLang="ko-KR" dirty="0" err="1"/>
+                        <a:t>prescription_num</a:t>
+                      </a:r>
+                      <a:endParaRPr lang="ko-KR" altLang="en-US" dirty="0"/>
+                    </a:p>
+                  </a:txBody>
+                  <a:tcPr/>
+                </a:tc>
+                <a:tc>
+                  <a:txBody>
+                    <a:bodyPr/>
+                    <a:lstStyle/>
+                    <a:p>
+                      <a:pPr latinLnBrk="1"/>
+                      <a:r>
+                        <a:rPr lang="en-US" altLang="ko-KR" dirty="0" err="1"/>
+                        <a:t>int</a:t>
+                      </a:r>
+                      <a:endParaRPr lang="ko-KR" altLang="en-US" dirty="0"/>
+                    </a:p>
+                  </a:txBody>
+                  <a:tcPr/>
+                </a:tc>
+                <a:tc>
+                  <a:txBody>
+                    <a:bodyPr/>
+                    <a:lstStyle/>
+                    <a:p>
+                      <a:pPr latinLnBrk="1"/>
+                      <a:r>
+                        <a:rPr lang="ko-KR" altLang="en-US" dirty="0"/>
+                        <a:t>처방전번호</a:t>
+                      </a:r>
+                      <a:r>
+                        <a:rPr lang="en-US" altLang="ko-KR" dirty="0"/>
+                        <a:t>(</a:t>
+                      </a:r>
+                      <a:r>
+                        <a:rPr lang="ko-KR" altLang="en-US" dirty="0"/>
+                        <a:t>고유</a:t>
+                      </a:r>
+                      <a:r>
+                        <a:rPr lang="en-US" altLang="ko-KR" dirty="0"/>
+                        <a:t>)</a:t>
+                      </a:r>
+                      <a:endParaRPr lang="ko-KR" altLang="en-US" dirty="0"/>
+                    </a:p>
+                  </a:txBody>
+                  <a:tcPr/>
+                </a:tc>
+                <a:extLst>
+                  <a:ext uri="{0D108BD9-81ED-4DB2-BD59-A6C34878D82A}">
+                    <a16:rowId xmlns:a16="http://schemas.microsoft.com/office/drawing/2014/main" val="1687664672"/>
+                  </a:ext>
+                </a:extLst>
+              </a:tr>
+              <a:tr h="300550">
+                <a:tc>
+                  <a:txBody>
+                    <a:bodyPr/>
+                    <a:lstStyle/>
+                    <a:p>
+                      <a:pPr latinLnBrk="1"/>
+                      <a:r>
+                        <a:rPr lang="en-US" altLang="ko-KR" dirty="0" err="1"/>
+                        <a:t>pharm_code</a:t>
+                      </a:r>
+                      <a:endParaRPr lang="ko-KR" altLang="en-US" dirty="0"/>
+                    </a:p>
+                  </a:txBody>
+                  <a:tcPr/>
+                </a:tc>
+                <a:tc>
+                  <a:txBody>
+                    <a:bodyPr/>
+                    <a:lstStyle/>
+                    <a:p>
+                      <a:pPr latinLnBrk="1"/>
+                      <a:r>
+                        <a:rPr lang="en-US" altLang="ko-KR" dirty="0" err="1"/>
+                        <a:t>int</a:t>
+                      </a:r>
+                      <a:endParaRPr lang="ko-KR" altLang="en-US" dirty="0"/>
+                    </a:p>
+                  </a:txBody>
+                  <a:tcPr/>
+                </a:tc>
+                <a:tc>
+                  <a:txBody>
+                    <a:bodyPr/>
+                    <a:lstStyle/>
+                    <a:p>
+                      <a:pPr latinLnBrk="1"/>
+                      <a:r>
+                        <a:rPr lang="en-US" altLang="ko-KR" dirty="0" err="1"/>
+                        <a:t>default:null</a:t>
+                      </a:r>
+                      <a:r>
+                        <a:rPr lang="en-US" altLang="ko-KR" dirty="0"/>
+                        <a:t>, </a:t>
+                      </a:r>
+                      <a:r>
+                        <a:rPr lang="ko-KR" altLang="en-US" dirty="0"/>
+                        <a:t>제출시 변경</a:t>
+                      </a:r>
+                    </a:p>
+                  </a:txBody>
+                  <a:tcPr/>
+                </a:tc>
+                <a:extLst>
+                  <a:ext uri="{0D108BD9-81ED-4DB2-BD59-A6C34878D82A}">
+                    <a16:rowId xmlns:a16="http://schemas.microsoft.com/office/drawing/2014/main" val="413859575"/>
                   </a:ext>
                 </a:extLst>
               </a:tr>
@@ -8287,7 +8462,7 @@
         </p:blipFill>
         <p:spPr>
           <a:xfrm>
-            <a:off x="0" y="511795"/>
+            <a:off x="0" y="637525"/>
             <a:ext cx="9144000" cy="4691410"/>
           </a:xfrm>
           <a:prstGeom prst="rect">
